--- a/Control de versiones.pptx
+++ b/Control de versiones.pptx
@@ -20,9 +20,8 @@
     <p:sldId id="265" r:id="rId14"/>
     <p:sldId id="269" r:id="rId15"/>
     <p:sldId id="264" r:id="rId16"/>
-    <p:sldId id="276" r:id="rId17"/>
-    <p:sldId id="274" r:id="rId18"/>
-    <p:sldId id="275" r:id="rId19"/>
+    <p:sldId id="277" r:id="rId17"/>
+    <p:sldId id="276" r:id="rId18"/>
   </p:sldIdLst>
   <p:sldSz cx="12192000" cy="6858000"/>
   <p:notesSz cx="6858000" cy="9144000"/>
@@ -312,7 +311,7 @@
           </a:lstStyle>
           <a:p>
             <a:r>
-              <a:rPr lang="es-ES" smtClean="0"/>
+              <a:rPr lang="es-ES"/>
               <a:t>Haga clic para modificar el estilo de título del patrón</a:t>
             </a:r>
             <a:endParaRPr lang="en-US" dirty="0"/>
@@ -431,7 +430,7 @@
           </a:lstStyle>
           <a:p>
             <a:r>
-              <a:rPr lang="es-ES" smtClean="0"/>
+              <a:rPr lang="es-ES"/>
               <a:t>Haga clic para editar el estilo de subtítulo del patrón</a:t>
             </a:r>
             <a:endParaRPr lang="en-US" dirty="0"/>
@@ -460,7 +459,7 @@
           <a:p>
             <a:fld id="{2D0706EF-32E1-4DDF-A0E5-107ED4DBDB94}" type="datetimeFigureOut">
               <a:rPr lang="es-MX" smtClean="0"/>
-              <a:t>20/08/2018</a:t>
+              <a:t>24/08/2018</a:t>
             </a:fld>
             <a:endParaRPr lang="es-MX"/>
           </a:p>
@@ -605,7 +604,7 @@
           </a:lstStyle>
           <a:p>
             <a:r>
-              <a:rPr lang="es-ES" smtClean="0"/>
+              <a:rPr lang="es-ES"/>
               <a:t>Haga clic para modificar el estilo de título del patrón</a:t>
             </a:r>
             <a:endParaRPr lang="en-US" dirty="0"/>
@@ -693,7 +692,7 @@
           </a:lstStyle>
           <a:p>
             <a:r>
-              <a:rPr lang="es-ES" smtClean="0"/>
+              <a:rPr lang="es-ES"/>
               <a:t>Haga clic en el icono para agregar una imagen</a:t>
             </a:r>
             <a:endParaRPr lang="en-US" dirty="0"/>
@@ -761,7 +760,7 @@
           <a:p>
             <a:pPr lvl="0"/>
             <a:r>
-              <a:rPr lang="es-ES" smtClean="0"/>
+              <a:rPr lang="es-ES"/>
               <a:t>Editar el estilo de texto del patrón</a:t>
             </a:r>
           </a:p>
@@ -784,7 +783,7 @@
           <a:p>
             <a:fld id="{2D0706EF-32E1-4DDF-A0E5-107ED4DBDB94}" type="datetimeFigureOut">
               <a:rPr lang="es-MX" smtClean="0"/>
-              <a:t>20/08/2018</a:t>
+              <a:t>24/08/2018</a:t>
             </a:fld>
             <a:endParaRPr lang="es-MX"/>
           </a:p>
@@ -889,7 +888,7 @@
           </a:lstStyle>
           <a:p>
             <a:r>
-              <a:rPr lang="es-ES" smtClean="0"/>
+              <a:rPr lang="es-ES"/>
               <a:t>Haga clic para modificar el estilo de título del patrón</a:t>
             </a:r>
             <a:endParaRPr lang="en-US" dirty="0"/>
@@ -1009,7 +1008,7 @@
           <a:p>
             <a:pPr lvl="0"/>
             <a:r>
-              <a:rPr lang="es-ES" smtClean="0"/>
+              <a:rPr lang="es-ES"/>
               <a:t>Editar el estilo de texto del patrón</a:t>
             </a:r>
           </a:p>
@@ -1032,7 +1031,7 @@
           <a:p>
             <a:fld id="{2D0706EF-32E1-4DDF-A0E5-107ED4DBDB94}" type="datetimeFigureOut">
               <a:rPr lang="es-MX" smtClean="0"/>
-              <a:t>20/08/2018</a:t>
+              <a:t>24/08/2018</a:t>
             </a:fld>
             <a:endParaRPr lang="es-MX"/>
           </a:p>
@@ -1172,7 +1171,7 @@
           </a:lstStyle>
           <a:p>
             <a:r>
-              <a:rPr lang="es-ES" smtClean="0"/>
+              <a:rPr lang="es-ES"/>
               <a:t>Haga clic para modificar el estilo de título del patrón</a:t>
             </a:r>
             <a:endParaRPr lang="en-US" dirty="0"/>
@@ -1229,7 +1228,7 @@
           <a:p>
             <a:pPr lvl="0"/>
             <a:r>
-              <a:rPr lang="es-ES" smtClean="0"/>
+              <a:rPr lang="es-ES"/>
               <a:t>Editar el estilo de texto del patrón</a:t>
             </a:r>
           </a:p>
@@ -1348,7 +1347,7 @@
           <a:p>
             <a:pPr lvl="0"/>
             <a:r>
-              <a:rPr lang="es-ES" smtClean="0"/>
+              <a:rPr lang="es-ES"/>
               <a:t>Editar el estilo de texto del patrón</a:t>
             </a:r>
           </a:p>
@@ -1371,7 +1370,7 @@
           <a:p>
             <a:fld id="{2D0706EF-32E1-4DDF-A0E5-107ED4DBDB94}" type="datetimeFigureOut">
               <a:rPr lang="es-MX" smtClean="0"/>
-              <a:t>20/08/2018</a:t>
+              <a:t>24/08/2018</a:t>
             </a:fld>
             <a:endParaRPr lang="es-MX"/>
           </a:p>
@@ -1575,7 +1574,7 @@
           </a:lstStyle>
           <a:p>
             <a:r>
-              <a:rPr lang="es-ES" smtClean="0"/>
+              <a:rPr lang="es-ES"/>
               <a:t>Haga clic para modificar el estilo de título del patrón</a:t>
             </a:r>
             <a:endParaRPr lang="en-US" dirty="0"/>
@@ -1695,7 +1694,7 @@
           <a:p>
             <a:pPr lvl="0"/>
             <a:r>
-              <a:rPr lang="es-ES" smtClean="0"/>
+              <a:rPr lang="es-ES"/>
               <a:t>Editar el estilo de texto del patrón</a:t>
             </a:r>
           </a:p>
@@ -1718,7 +1717,7 @@
           <a:p>
             <a:fld id="{2D0706EF-32E1-4DDF-A0E5-107ED4DBDB94}" type="datetimeFigureOut">
               <a:rPr lang="es-MX" smtClean="0"/>
-              <a:t>20/08/2018</a:t>
+              <a:t>24/08/2018</a:t>
             </a:fld>
             <a:endParaRPr lang="es-MX"/>
           </a:p>
@@ -1827,7 +1826,7 @@
           </a:lstStyle>
           <a:p>
             <a:r>
-              <a:rPr lang="es-ES" smtClean="0"/>
+              <a:rPr lang="es-ES"/>
               <a:t>Haga clic para modificar el estilo de título del patrón</a:t>
             </a:r>
             <a:endParaRPr lang="en-US" dirty="0"/>
@@ -1950,7 +1949,7 @@
           <a:p>
             <a:pPr lvl="0"/>
             <a:r>
-              <a:rPr lang="es-ES" smtClean="0"/>
+              <a:rPr lang="es-ES"/>
               <a:t>Editar el estilo de texto del patrón</a:t>
             </a:r>
           </a:p>
@@ -2069,7 +2068,7 @@
           <a:p>
             <a:pPr lvl="0"/>
             <a:r>
-              <a:rPr lang="es-ES" smtClean="0"/>
+              <a:rPr lang="es-ES"/>
               <a:t>Editar el estilo de texto del patrón</a:t>
             </a:r>
           </a:p>
@@ -2092,7 +2091,7 @@
           <a:p>
             <a:fld id="{2D0706EF-32E1-4DDF-A0E5-107ED4DBDB94}" type="datetimeFigureOut">
               <a:rPr lang="es-MX" smtClean="0"/>
-              <a:t>20/08/2018</a:t>
+              <a:t>24/08/2018</a:t>
             </a:fld>
             <a:endParaRPr lang="es-MX"/>
           </a:p>
@@ -2297,7 +2296,7 @@
           <a:p>
             <a:pPr marL="0" lvl="0"/>
             <a:r>
-              <a:rPr lang="es-ES" smtClean="0"/>
+              <a:rPr lang="es-ES"/>
               <a:t>Haga clic para modificar el estilo de título del patrón</a:t>
             </a:r>
             <a:endParaRPr lang="en-US" dirty="0"/>
@@ -2420,7 +2419,7 @@
           <a:p>
             <a:pPr lvl="0"/>
             <a:r>
-              <a:rPr lang="es-ES" smtClean="0"/>
+              <a:rPr lang="es-ES"/>
               <a:t>Editar el estilo de texto del patrón</a:t>
             </a:r>
           </a:p>
@@ -2539,7 +2538,7 @@
           <a:p>
             <a:pPr lvl="0"/>
             <a:r>
-              <a:rPr lang="es-ES" smtClean="0"/>
+              <a:rPr lang="es-ES"/>
               <a:t>Editar el estilo de texto del patrón</a:t>
             </a:r>
           </a:p>
@@ -2562,7 +2561,7 @@
           <a:p>
             <a:fld id="{2D0706EF-32E1-4DDF-A0E5-107ED4DBDB94}" type="datetimeFigureOut">
               <a:rPr lang="es-MX" smtClean="0"/>
-              <a:t>20/08/2018</a:t>
+              <a:t>24/08/2018</a:t>
             </a:fld>
             <a:endParaRPr lang="es-MX"/>
           </a:p>
@@ -2691,7 +2690,7 @@
           </a:lstStyle>
           <a:p>
             <a:r>
-              <a:rPr lang="es-ES" smtClean="0"/>
+              <a:rPr lang="es-ES"/>
               <a:t>Haga clic para modificar el estilo de título del patrón</a:t>
             </a:r>
             <a:endParaRPr lang="en-US" dirty="0"/>
@@ -2715,35 +2714,35 @@
           <a:p>
             <a:pPr lvl="0"/>
             <a:r>
-              <a:rPr lang="es-ES" smtClean="0"/>
+              <a:rPr lang="es-ES"/>
               <a:t>Editar el estilo de texto del patrón</a:t>
             </a:r>
           </a:p>
           <a:p>
             <a:pPr lvl="1"/>
             <a:r>
-              <a:rPr lang="es-ES" smtClean="0"/>
+              <a:rPr lang="es-ES"/>
               <a:t>Segundo nivel</a:t>
             </a:r>
           </a:p>
           <a:p>
             <a:pPr lvl="2"/>
             <a:r>
-              <a:rPr lang="es-ES" smtClean="0"/>
+              <a:rPr lang="es-ES"/>
               <a:t>Tercer nivel</a:t>
             </a:r>
           </a:p>
           <a:p>
             <a:pPr lvl="3"/>
             <a:r>
-              <a:rPr lang="es-ES" smtClean="0"/>
+              <a:rPr lang="es-ES"/>
               <a:t>Cuarto nivel</a:t>
             </a:r>
           </a:p>
           <a:p>
             <a:pPr lvl="4"/>
             <a:r>
-              <a:rPr lang="es-ES" smtClean="0"/>
+              <a:rPr lang="es-ES"/>
               <a:t>Quinto nivel</a:t>
             </a:r>
             <a:endParaRPr lang="en-US" dirty="0"/>
@@ -2767,7 +2766,7 @@
           <a:p>
             <a:fld id="{2D0706EF-32E1-4DDF-A0E5-107ED4DBDB94}" type="datetimeFigureOut">
               <a:rPr lang="es-MX" smtClean="0"/>
-              <a:t>20/08/2018</a:t>
+              <a:t>24/08/2018</a:t>
             </a:fld>
             <a:endParaRPr lang="es-MX"/>
           </a:p>
@@ -2897,7 +2896,7 @@
           <a:lstStyle/>
           <a:p>
             <a:r>
-              <a:rPr lang="es-ES" smtClean="0"/>
+              <a:rPr lang="es-ES"/>
               <a:t>Haga clic para modificar el estilo de título del patrón</a:t>
             </a:r>
             <a:endParaRPr lang="en-US" dirty="0"/>
@@ -2926,35 +2925,35 @@
           <a:p>
             <a:pPr lvl="0"/>
             <a:r>
-              <a:rPr lang="es-ES" smtClean="0"/>
+              <a:rPr lang="es-ES"/>
               <a:t>Editar el estilo de texto del patrón</a:t>
             </a:r>
           </a:p>
           <a:p>
             <a:pPr lvl="1"/>
             <a:r>
-              <a:rPr lang="es-ES" smtClean="0"/>
+              <a:rPr lang="es-ES"/>
               <a:t>Segundo nivel</a:t>
             </a:r>
           </a:p>
           <a:p>
             <a:pPr lvl="2"/>
             <a:r>
-              <a:rPr lang="es-ES" smtClean="0"/>
+              <a:rPr lang="es-ES"/>
               <a:t>Tercer nivel</a:t>
             </a:r>
           </a:p>
           <a:p>
             <a:pPr lvl="3"/>
             <a:r>
-              <a:rPr lang="es-ES" smtClean="0"/>
+              <a:rPr lang="es-ES"/>
               <a:t>Cuarto nivel</a:t>
             </a:r>
           </a:p>
           <a:p>
             <a:pPr lvl="4"/>
             <a:r>
-              <a:rPr lang="es-ES" smtClean="0"/>
+              <a:rPr lang="es-ES"/>
               <a:t>Quinto nivel</a:t>
             </a:r>
             <a:endParaRPr lang="en-US" dirty="0"/>
@@ -2978,7 +2977,7 @@
           <a:p>
             <a:fld id="{2D0706EF-32E1-4DDF-A0E5-107ED4DBDB94}" type="datetimeFigureOut">
               <a:rPr lang="es-MX" smtClean="0"/>
-              <a:t>20/08/2018</a:t>
+              <a:t>24/08/2018</a:t>
             </a:fld>
             <a:endParaRPr lang="es-MX"/>
           </a:p>
@@ -3134,7 +3133,7 @@
           <a:lstStyle/>
           <a:p>
             <a:r>
-              <a:rPr lang="es-ES" smtClean="0"/>
+              <a:rPr lang="es-ES"/>
               <a:t>Haga clic para modificar el estilo de título del patrón</a:t>
             </a:r>
             <a:endParaRPr lang="en-US" dirty="0"/>
@@ -3158,35 +3157,35 @@
           <a:p>
             <a:pPr lvl="0"/>
             <a:r>
-              <a:rPr lang="es-ES" smtClean="0"/>
+              <a:rPr lang="es-ES"/>
               <a:t>Editar el estilo de texto del patrón</a:t>
             </a:r>
           </a:p>
           <a:p>
             <a:pPr lvl="1"/>
             <a:r>
-              <a:rPr lang="es-ES" smtClean="0"/>
+              <a:rPr lang="es-ES"/>
               <a:t>Segundo nivel</a:t>
             </a:r>
           </a:p>
           <a:p>
             <a:pPr lvl="2"/>
             <a:r>
-              <a:rPr lang="es-ES" smtClean="0"/>
+              <a:rPr lang="es-ES"/>
               <a:t>Tercer nivel</a:t>
             </a:r>
           </a:p>
           <a:p>
             <a:pPr lvl="3"/>
             <a:r>
-              <a:rPr lang="es-ES" smtClean="0"/>
+              <a:rPr lang="es-ES"/>
               <a:t>Cuarto nivel</a:t>
             </a:r>
           </a:p>
           <a:p>
             <a:pPr lvl="4"/>
             <a:r>
-              <a:rPr lang="es-ES" smtClean="0"/>
+              <a:rPr lang="es-ES"/>
               <a:t>Quinto nivel</a:t>
             </a:r>
             <a:endParaRPr lang="en-US" dirty="0"/>
@@ -3210,7 +3209,7 @@
           <a:p>
             <a:fld id="{2D0706EF-32E1-4DDF-A0E5-107ED4DBDB94}" type="datetimeFigureOut">
               <a:rPr lang="es-MX" smtClean="0"/>
-              <a:t>20/08/2018</a:t>
+              <a:t>24/08/2018</a:t>
             </a:fld>
             <a:endParaRPr lang="es-MX"/>
           </a:p>
@@ -3315,7 +3314,7 @@
           </a:lstStyle>
           <a:p>
             <a:r>
-              <a:rPr lang="es-ES" smtClean="0"/>
+              <a:rPr lang="es-ES"/>
               <a:t>Haga clic para modificar el estilo de título del patrón</a:t>
             </a:r>
             <a:endParaRPr lang="en-US" dirty="0"/>
@@ -3435,7 +3434,7 @@
           <a:p>
             <a:pPr lvl="0"/>
             <a:r>
-              <a:rPr lang="es-ES" smtClean="0"/>
+              <a:rPr lang="es-ES"/>
               <a:t>Editar el estilo de texto del patrón</a:t>
             </a:r>
           </a:p>
@@ -3458,7 +3457,7 @@
           <a:p>
             <a:fld id="{2D0706EF-32E1-4DDF-A0E5-107ED4DBDB94}" type="datetimeFigureOut">
               <a:rPr lang="es-MX" smtClean="0"/>
-              <a:t>20/08/2018</a:t>
+              <a:t>24/08/2018</a:t>
             </a:fld>
             <a:endParaRPr lang="es-MX"/>
           </a:p>
@@ -3614,7 +3613,7 @@
           <a:lstStyle/>
           <a:p>
             <a:r>
-              <a:rPr lang="es-ES" smtClean="0"/>
+              <a:rPr lang="es-ES"/>
               <a:t>Haga clic para modificar el estilo de título del patrón</a:t>
             </a:r>
             <a:endParaRPr lang="en-US" dirty="0"/>
@@ -3645,35 +3644,35 @@
           <a:p>
             <a:pPr lvl="0"/>
             <a:r>
-              <a:rPr lang="es-ES" smtClean="0"/>
+              <a:rPr lang="es-ES"/>
               <a:t>Editar el estilo de texto del patrón</a:t>
             </a:r>
           </a:p>
           <a:p>
             <a:pPr lvl="1"/>
             <a:r>
-              <a:rPr lang="es-ES" smtClean="0"/>
+              <a:rPr lang="es-ES"/>
               <a:t>Segundo nivel</a:t>
             </a:r>
           </a:p>
           <a:p>
             <a:pPr lvl="2"/>
             <a:r>
-              <a:rPr lang="es-ES" smtClean="0"/>
+              <a:rPr lang="es-ES"/>
               <a:t>Tercer nivel</a:t>
             </a:r>
           </a:p>
           <a:p>
             <a:pPr lvl="3"/>
             <a:r>
-              <a:rPr lang="es-ES" smtClean="0"/>
+              <a:rPr lang="es-ES"/>
               <a:t>Cuarto nivel</a:t>
             </a:r>
           </a:p>
           <a:p>
             <a:pPr lvl="4"/>
             <a:r>
-              <a:rPr lang="es-ES" smtClean="0"/>
+              <a:rPr lang="es-ES"/>
               <a:t>Quinto nivel</a:t>
             </a:r>
             <a:endParaRPr lang="en-US" dirty="0"/>
@@ -3704,35 +3703,35 @@
           <a:p>
             <a:pPr lvl="0"/>
             <a:r>
-              <a:rPr lang="es-ES" smtClean="0"/>
+              <a:rPr lang="es-ES"/>
               <a:t>Editar el estilo de texto del patrón</a:t>
             </a:r>
           </a:p>
           <a:p>
             <a:pPr lvl="1"/>
             <a:r>
-              <a:rPr lang="es-ES" smtClean="0"/>
+              <a:rPr lang="es-ES"/>
               <a:t>Segundo nivel</a:t>
             </a:r>
           </a:p>
           <a:p>
             <a:pPr lvl="2"/>
             <a:r>
-              <a:rPr lang="es-ES" smtClean="0"/>
+              <a:rPr lang="es-ES"/>
               <a:t>Tercer nivel</a:t>
             </a:r>
           </a:p>
           <a:p>
             <a:pPr lvl="3"/>
             <a:r>
-              <a:rPr lang="es-ES" smtClean="0"/>
+              <a:rPr lang="es-ES"/>
               <a:t>Cuarto nivel</a:t>
             </a:r>
           </a:p>
           <a:p>
             <a:pPr lvl="4"/>
             <a:r>
-              <a:rPr lang="es-ES" smtClean="0"/>
+              <a:rPr lang="es-ES"/>
               <a:t>Quinto nivel</a:t>
             </a:r>
             <a:endParaRPr lang="en-US" dirty="0"/>
@@ -3756,7 +3755,7 @@
           <a:p>
             <a:fld id="{2D0706EF-32E1-4DDF-A0E5-107ED4DBDB94}" type="datetimeFigureOut">
               <a:rPr lang="es-MX" smtClean="0"/>
-              <a:t>20/08/2018</a:t>
+              <a:t>24/08/2018</a:t>
             </a:fld>
             <a:endParaRPr lang="es-MX"/>
           </a:p>
@@ -3854,7 +3853,7 @@
           </a:lstStyle>
           <a:p>
             <a:r>
-              <a:rPr lang="es-ES" smtClean="0"/>
+              <a:rPr lang="es-ES"/>
               <a:t>Haga clic para modificar el estilo de título del patrón</a:t>
             </a:r>
             <a:endParaRPr lang="en-US" dirty="0"/>
@@ -3932,7 +3931,7 @@
           <a:p>
             <a:pPr lvl="0"/>
             <a:r>
-              <a:rPr lang="es-ES" smtClean="0"/>
+              <a:rPr lang="es-ES"/>
               <a:t>Editar el estilo de texto del patrón</a:t>
             </a:r>
           </a:p>
@@ -3962,35 +3961,35 @@
           <a:p>
             <a:pPr lvl="0"/>
             <a:r>
-              <a:rPr lang="es-ES" smtClean="0"/>
+              <a:rPr lang="es-ES"/>
               <a:t>Editar el estilo de texto del patrón</a:t>
             </a:r>
           </a:p>
           <a:p>
             <a:pPr lvl="1"/>
             <a:r>
-              <a:rPr lang="es-ES" smtClean="0"/>
+              <a:rPr lang="es-ES"/>
               <a:t>Segundo nivel</a:t>
             </a:r>
           </a:p>
           <a:p>
             <a:pPr lvl="2"/>
             <a:r>
-              <a:rPr lang="es-ES" smtClean="0"/>
+              <a:rPr lang="es-ES"/>
               <a:t>Tercer nivel</a:t>
             </a:r>
           </a:p>
           <a:p>
             <a:pPr lvl="3"/>
             <a:r>
-              <a:rPr lang="es-ES" smtClean="0"/>
+              <a:rPr lang="es-ES"/>
               <a:t>Cuarto nivel</a:t>
             </a:r>
           </a:p>
           <a:p>
             <a:pPr lvl="4"/>
             <a:r>
-              <a:rPr lang="es-ES" smtClean="0"/>
+              <a:rPr lang="es-ES"/>
               <a:t>Quinto nivel</a:t>
             </a:r>
             <a:endParaRPr lang="en-US" dirty="0"/>
@@ -4068,7 +4067,7 @@
           <a:p>
             <a:pPr lvl="0"/>
             <a:r>
-              <a:rPr lang="es-ES" smtClean="0"/>
+              <a:rPr lang="es-ES"/>
               <a:t>Editar el estilo de texto del patrón</a:t>
             </a:r>
           </a:p>
@@ -4098,35 +4097,35 @@
           <a:p>
             <a:pPr lvl="0"/>
             <a:r>
-              <a:rPr lang="es-ES" smtClean="0"/>
+              <a:rPr lang="es-ES"/>
               <a:t>Editar el estilo de texto del patrón</a:t>
             </a:r>
           </a:p>
           <a:p>
             <a:pPr lvl="1"/>
             <a:r>
-              <a:rPr lang="es-ES" smtClean="0"/>
+              <a:rPr lang="es-ES"/>
               <a:t>Segundo nivel</a:t>
             </a:r>
           </a:p>
           <a:p>
             <a:pPr lvl="2"/>
             <a:r>
-              <a:rPr lang="es-ES" smtClean="0"/>
+              <a:rPr lang="es-ES"/>
               <a:t>Tercer nivel</a:t>
             </a:r>
           </a:p>
           <a:p>
             <a:pPr lvl="3"/>
             <a:r>
-              <a:rPr lang="es-ES" smtClean="0"/>
+              <a:rPr lang="es-ES"/>
               <a:t>Cuarto nivel</a:t>
             </a:r>
           </a:p>
           <a:p>
             <a:pPr lvl="4"/>
             <a:r>
-              <a:rPr lang="es-ES" smtClean="0"/>
+              <a:rPr lang="es-ES"/>
               <a:t>Quinto nivel</a:t>
             </a:r>
             <a:endParaRPr lang="en-US" dirty="0"/>
@@ -4150,7 +4149,7 @@
           <a:p>
             <a:fld id="{2D0706EF-32E1-4DDF-A0E5-107ED4DBDB94}" type="datetimeFigureOut">
               <a:rPr lang="es-MX" smtClean="0"/>
-              <a:t>20/08/2018</a:t>
+              <a:t>24/08/2018</a:t>
             </a:fld>
             <a:endParaRPr lang="es-MX"/>
           </a:p>
@@ -4275,7 +4274,7 @@
           <a:lstStyle/>
           <a:p>
             <a:r>
-              <a:rPr lang="es-ES" smtClean="0"/>
+              <a:rPr lang="es-ES"/>
               <a:t>Haga clic para modificar el estilo de título del patrón</a:t>
             </a:r>
             <a:endParaRPr lang="en-US" dirty="0"/>
@@ -4299,7 +4298,7 @@
           <a:p>
             <a:fld id="{2D0706EF-32E1-4DDF-A0E5-107ED4DBDB94}" type="datetimeFigureOut">
               <a:rPr lang="es-MX" smtClean="0"/>
-              <a:t>20/08/2018</a:t>
+              <a:t>24/08/2018</a:t>
             </a:fld>
             <a:endParaRPr lang="es-MX"/>
           </a:p>
@@ -4425,7 +4424,7 @@
           <a:p>
             <a:fld id="{2D0706EF-32E1-4DDF-A0E5-107ED4DBDB94}" type="datetimeFigureOut">
               <a:rPr lang="es-MX" smtClean="0"/>
-              <a:t>20/08/2018</a:t>
+              <a:t>24/08/2018</a:t>
             </a:fld>
             <a:endParaRPr lang="es-MX"/>
           </a:p>
@@ -4530,7 +4529,7 @@
           </a:lstStyle>
           <a:p>
             <a:r>
-              <a:rPr lang="es-ES" smtClean="0"/>
+              <a:rPr lang="es-ES"/>
               <a:t>Haga clic para modificar el estilo de título del patrón</a:t>
             </a:r>
             <a:endParaRPr lang="en-US" dirty="0"/>
@@ -4561,35 +4560,35 @@
           <a:p>
             <a:pPr lvl="0"/>
             <a:r>
-              <a:rPr lang="es-ES" smtClean="0"/>
+              <a:rPr lang="es-ES"/>
               <a:t>Editar el estilo de texto del patrón</a:t>
             </a:r>
           </a:p>
           <a:p>
             <a:pPr lvl="1"/>
             <a:r>
-              <a:rPr lang="es-ES" smtClean="0"/>
+              <a:rPr lang="es-ES"/>
               <a:t>Segundo nivel</a:t>
             </a:r>
           </a:p>
           <a:p>
             <a:pPr lvl="2"/>
             <a:r>
-              <a:rPr lang="es-ES" smtClean="0"/>
+              <a:rPr lang="es-ES"/>
               <a:t>Tercer nivel</a:t>
             </a:r>
           </a:p>
           <a:p>
             <a:pPr lvl="3"/>
             <a:r>
-              <a:rPr lang="es-ES" smtClean="0"/>
+              <a:rPr lang="es-ES"/>
               <a:t>Cuarto nivel</a:t>
             </a:r>
           </a:p>
           <a:p>
             <a:pPr lvl="4"/>
             <a:r>
-              <a:rPr lang="es-ES" smtClean="0"/>
+              <a:rPr lang="es-ES"/>
               <a:t>Quinto nivel</a:t>
             </a:r>
             <a:endParaRPr lang="en-US" dirty="0"/>
@@ -4657,7 +4656,7 @@
           <a:p>
             <a:pPr lvl="0"/>
             <a:r>
-              <a:rPr lang="es-ES" smtClean="0"/>
+              <a:rPr lang="es-ES"/>
               <a:t>Editar el estilo de texto del patrón</a:t>
             </a:r>
           </a:p>
@@ -4680,7 +4679,7 @@
           <a:p>
             <a:fld id="{2D0706EF-32E1-4DDF-A0E5-107ED4DBDB94}" type="datetimeFigureOut">
               <a:rPr lang="es-MX" smtClean="0"/>
-              <a:t>20/08/2018</a:t>
+              <a:t>24/08/2018</a:t>
             </a:fld>
             <a:endParaRPr lang="es-MX"/>
           </a:p>
@@ -4816,7 +4815,7 @@
           </a:lstStyle>
           <a:p>
             <a:r>
-              <a:rPr lang="es-ES" smtClean="0"/>
+              <a:rPr lang="es-ES"/>
               <a:t>Haga clic para modificar el estilo de título del patrón</a:t>
             </a:r>
             <a:endParaRPr lang="en-US" dirty="0"/>
@@ -4904,7 +4903,7 @@
           </a:lstStyle>
           <a:p>
             <a:r>
-              <a:rPr lang="es-ES" smtClean="0"/>
+              <a:rPr lang="es-ES"/>
               <a:t>Haga clic en el icono para agregar una imagen</a:t>
             </a:r>
             <a:endParaRPr lang="en-US" dirty="0"/>
@@ -4972,7 +4971,7 @@
           <a:p>
             <a:pPr lvl="0"/>
             <a:r>
-              <a:rPr lang="es-ES" smtClean="0"/>
+              <a:rPr lang="es-ES"/>
               <a:t>Editar el estilo de texto del patrón</a:t>
             </a:r>
           </a:p>
@@ -4995,7 +4994,7 @@
           <a:p>
             <a:fld id="{2D0706EF-32E1-4DDF-A0E5-107ED4DBDB94}" type="datetimeFigureOut">
               <a:rPr lang="es-MX" smtClean="0"/>
-              <a:t>20/08/2018</a:t>
+              <a:t>24/08/2018</a:t>
             </a:fld>
             <a:endParaRPr lang="es-MX"/>
           </a:p>
@@ -5242,7 +5241,7 @@
           <a:lstStyle/>
           <a:p>
             <a:r>
-              <a:rPr lang="es-ES" smtClean="0"/>
+              <a:rPr lang="es-ES"/>
               <a:t>Haga clic para modificar el estilo de título del patrón</a:t>
             </a:r>
             <a:endParaRPr lang="en-US" dirty="0"/>
@@ -5276,35 +5275,35 @@
           <a:p>
             <a:pPr lvl="0"/>
             <a:r>
-              <a:rPr lang="es-ES" smtClean="0"/>
+              <a:rPr lang="es-ES"/>
               <a:t>Editar el estilo de texto del patrón</a:t>
             </a:r>
           </a:p>
           <a:p>
             <a:pPr lvl="1"/>
             <a:r>
-              <a:rPr lang="es-ES" smtClean="0"/>
+              <a:rPr lang="es-ES"/>
               <a:t>Segundo nivel</a:t>
             </a:r>
           </a:p>
           <a:p>
             <a:pPr lvl="2"/>
             <a:r>
-              <a:rPr lang="es-ES" smtClean="0"/>
+              <a:rPr lang="es-ES"/>
               <a:t>Tercer nivel</a:t>
             </a:r>
           </a:p>
           <a:p>
             <a:pPr lvl="3"/>
             <a:r>
-              <a:rPr lang="es-ES" smtClean="0"/>
+              <a:rPr lang="es-ES"/>
               <a:t>Cuarto nivel</a:t>
             </a:r>
           </a:p>
           <a:p>
             <a:pPr lvl="4"/>
             <a:r>
-              <a:rPr lang="es-ES" smtClean="0"/>
+              <a:rPr lang="es-ES"/>
               <a:t>Quinto nivel</a:t>
             </a:r>
             <a:endParaRPr lang="en-US" dirty="0"/>
@@ -5346,7 +5345,7 @@
           <a:p>
             <a:fld id="{2D0706EF-32E1-4DDF-A0E5-107ED4DBDB94}" type="datetimeFigureOut">
               <a:rPr lang="es-MX" smtClean="0"/>
-              <a:t>20/08/2018</a:t>
+              <a:t>24/08/2018</a:t>
             </a:fld>
             <a:endParaRPr lang="es-MX"/>
           </a:p>
@@ -5905,10 +5904,9 @@
           <a:lstStyle/>
           <a:p>
             <a:r>
-              <a:rPr lang="es-MX" dirty="0" smtClean="0"/>
+              <a:rPr lang="es-MX" dirty="0"/>
               <a:t>Control de versiones</a:t>
             </a:r>
-            <a:endParaRPr lang="es-MX" dirty="0"/>
           </a:p>
         </p:txBody>
       </p:sp>
@@ -5929,7 +5927,7 @@
           </a:bodyPr>
           <a:lstStyle/>
           <a:p>
-            <a:endParaRPr lang="es-MX" dirty="0" smtClean="0"/>
+            <a:endParaRPr lang="es-MX" dirty="0"/>
           </a:p>
           <a:p>
             <a:pPr marL="342900" indent="-342900">
@@ -5937,7 +5935,7 @@
               <a:buChar char="v"/>
             </a:pPr>
             <a:r>
-              <a:rPr lang="es-MX" dirty="0" smtClean="0"/>
+              <a:rPr lang="es-MX" dirty="0"/>
               <a:t>Román Reyes Samanta Saraí</a:t>
             </a:r>
           </a:p>
@@ -5947,10 +5945,9 @@
               <a:buChar char="v"/>
             </a:pPr>
             <a:r>
-              <a:rPr lang="es-MX" dirty="0" smtClean="0"/>
+              <a:rPr lang="es-MX" dirty="0"/>
               <a:t>López Nepomuceno Brenda Areli</a:t>
             </a:r>
-            <a:endParaRPr lang="es-MX" dirty="0"/>
           </a:p>
         </p:txBody>
       </p:sp>
@@ -5976,13 +5973,6 @@
       </p:transition>
     </mc:Fallback>
   </mc:AlternateContent>
-  <p:timing>
-    <p:tnLst>
-      <p:par>
-        <p:cTn id="1" dur="indefinite" restart="never" nodeType="tmRoot"/>
-      </p:par>
-    </p:tnLst>
-  </p:timing>
 </p:sld>
 </file>
 
@@ -6019,10 +6009,9 @@
           <a:lstStyle/>
           <a:p>
             <a:r>
-              <a:rPr lang="es-MX" dirty="0" smtClean="0"/>
+              <a:rPr lang="es-MX" dirty="0"/>
               <a:t>Subversión</a:t>
             </a:r>
-            <a:endParaRPr lang="es-MX" dirty="0"/>
           </a:p>
         </p:txBody>
       </p:sp>
@@ -6042,12 +6031,8 @@
           <a:lstStyle/>
           <a:p>
             <a:r>
-              <a:rPr lang="es-ES" dirty="0" smtClean="0"/>
-              <a:t>Es </a:t>
-            </a:r>
-            <a:r>
               <a:rPr lang="es-ES" dirty="0"/>
-              <a:t>un SCV de código abierto (open-</a:t>
+              <a:t>Es un SCV de código abierto (open-</a:t>
             </a:r>
             <a:r>
               <a:rPr lang="es-ES" dirty="0" err="1"/>
@@ -6055,11 +6040,7 @@
             </a:r>
             <a:r>
               <a:rPr lang="es-ES" dirty="0"/>
-              <a:t>), que maneja los cambios realizados tanto en archivos como en directorios; esto permite recuperar versiones anteriores de sus datos o examinar la historia de cómo cambiaron sus datos</a:t>
-            </a:r>
-            <a:r>
-              <a:rPr lang="es-ES" dirty="0" smtClean="0"/>
-              <a:t>.</a:t>
+              <a:t>), que maneja los cambios realizados tanto en archivos como en directorios; esto permite recuperar versiones anteriores de sus datos o examinar la historia de cómo cambiaron sus datos.</a:t>
             </a:r>
           </a:p>
           <a:p>
@@ -6089,13 +6070,6 @@
       </p:transition>
     </mc:Fallback>
   </mc:AlternateContent>
-  <p:timing>
-    <p:tnLst>
-      <p:par>
-        <p:cTn id="1" dur="indefinite" restart="never" nodeType="tmRoot"/>
-      </p:par>
-    </p:tnLst>
-  </p:timing>
 </p:sld>
 </file>
 
@@ -6135,11 +6109,7 @@
           <a:p>
             <a:r>
               <a:rPr lang="es-ES" dirty="0"/>
-              <a:t>Proceso de actualización de los archivos en un repositorio utilizando </a:t>
-            </a:r>
-            <a:r>
-              <a:rPr lang="es-ES" dirty="0" smtClean="0"/>
-              <a:t>Subversión</a:t>
+              <a:t>Proceso de actualización de los archivos en un repositorio utilizando Subversión</a:t>
             </a:r>
             <a:endParaRPr lang="es-MX" dirty="0"/>
           </a:p>
@@ -6192,13 +6162,6 @@
       </p:transition>
     </mc:Fallback>
   </mc:AlternateContent>
-  <p:timing>
-    <p:tnLst>
-      <p:par>
-        <p:cTn id="1" dur="indefinite" restart="never" nodeType="tmRoot"/>
-      </p:par>
-    </p:tnLst>
-  </p:timing>
 </p:sld>
 </file>
 
@@ -6235,10 +6198,9 @@
           <a:lstStyle/>
           <a:p>
             <a:r>
-              <a:rPr lang="es-MX" dirty="0" smtClean="0"/>
+              <a:rPr lang="es-MX" dirty="0"/>
               <a:t>Git</a:t>
             </a:r>
-            <a:endParaRPr lang="es-MX" dirty="0"/>
           </a:p>
         </p:txBody>
       </p:sp>
@@ -6259,7 +6221,7 @@
           </a:bodyPr>
           <a:lstStyle/>
           <a:p>
-            <a:endParaRPr lang="es-MX" dirty="0" smtClean="0"/>
+            <a:endParaRPr lang="es-MX" dirty="0"/>
           </a:p>
           <a:p>
             <a:pPr marL="342900" indent="-342900">
@@ -6267,7 +6229,7 @@
               <a:buChar char="v"/>
             </a:pPr>
             <a:r>
-              <a:rPr lang="es-MX" dirty="0" smtClean="0"/>
+              <a:rPr lang="es-MX" dirty="0"/>
               <a:t>Román Reyes Samanta Saraí</a:t>
             </a:r>
           </a:p>
@@ -6277,10 +6239,9 @@
               <a:buChar char="v"/>
             </a:pPr>
             <a:r>
-              <a:rPr lang="es-MX" dirty="0" smtClean="0"/>
+              <a:rPr lang="es-MX" dirty="0"/>
               <a:t>López Nepomuceno Brenda Areli</a:t>
             </a:r>
-            <a:endParaRPr lang="es-MX" dirty="0"/>
           </a:p>
         </p:txBody>
       </p:sp>
@@ -6306,13 +6267,6 @@
       </p:transition>
     </mc:Fallback>
   </mc:AlternateContent>
-  <p:timing>
-    <p:tnLst>
-      <p:par>
-        <p:cTn id="1" dur="indefinite" restart="never" nodeType="tmRoot"/>
-      </p:par>
-    </p:tnLst>
-  </p:timing>
 </p:sld>
 </file>
 
@@ -6349,10 +6303,9 @@
           <a:lstStyle/>
           <a:p>
             <a:r>
-              <a:rPr lang="es-MX" dirty="0" smtClean="0"/>
+              <a:rPr lang="es-MX" dirty="0"/>
               <a:t>Definición de Git</a:t>
             </a:r>
-            <a:endParaRPr lang="es-MX" dirty="0"/>
           </a:p>
         </p:txBody>
       </p:sp>
@@ -6372,24 +6325,24 @@
           <a:lstStyle/>
           <a:p>
             <a:r>
-              <a:rPr lang="es-MX" dirty="0" smtClean="0"/>
+              <a:rPr lang="es-MX" dirty="0"/>
               <a:t>Herramienta de control de versiones DISTRIBUIDO.</a:t>
             </a:r>
             <a:br>
-              <a:rPr lang="es-MX" dirty="0" smtClean="0"/>
+              <a:rPr lang="es-MX" dirty="0"/>
             </a:br>
             <a:r>
-              <a:rPr lang="es-MX" dirty="0" smtClean="0"/>
+              <a:rPr lang="es-MX" dirty="0"/>
               <a:t>La información se guarda localmente como si fuera un sistema de ficheros a tratarse, es decir poder tener un repositorio central donde se guarda la información.</a:t>
             </a:r>
           </a:p>
           <a:p>
             <a:r>
-              <a:rPr lang="es-MX" dirty="0" smtClean="0"/>
+              <a:rPr lang="es-MX" dirty="0"/>
               <a:t>Ideal para grandes sistemas de ficheros, debido a que los diferentes repositorios son independientes entre si.  Es decir, </a:t>
             </a:r>
             <a:r>
-              <a:rPr lang="es-MX" u="sng" dirty="0" smtClean="0"/>
+              <a:rPr lang="es-MX" u="sng" dirty="0"/>
               <a:t>DISTRIBUIDO</a:t>
             </a:r>
             <a:r>
@@ -6421,13 +6374,6 @@
       </p:transition>
     </mc:Fallback>
   </mc:AlternateContent>
-  <p:timing>
-    <p:tnLst>
-      <p:par>
-        <p:cTn id="1" dur="indefinite" restart="never" nodeType="tmRoot"/>
-      </p:par>
-    </p:tnLst>
-  </p:timing>
 </p:sld>
 </file>
 
@@ -6464,10 +6410,9 @@
           <a:lstStyle/>
           <a:p>
             <a:r>
-              <a:rPr lang="es-MX" dirty="0" smtClean="0"/>
+              <a:rPr lang="es-MX" dirty="0"/>
               <a:t>Estructura de trabajo de Git</a:t>
             </a:r>
-            <a:endParaRPr lang="es-MX" dirty="0"/>
           </a:p>
         </p:txBody>
       </p:sp>
@@ -6509,13 +6454,6 @@
   <p:transition spd="slow">
     <p:comb/>
   </p:transition>
-  <p:timing>
-    <p:tnLst>
-      <p:par>
-        <p:cTn id="1" dur="indefinite" restart="never" nodeType="tmRoot"/>
-      </p:par>
-    </p:tnLst>
-  </p:timing>
 </p:sld>
 </file>
 
@@ -6552,10 +6490,9 @@
           <a:lstStyle/>
           <a:p>
             <a:r>
-              <a:rPr lang="es-MX" dirty="0" smtClean="0"/>
+              <a:rPr lang="es-MX" dirty="0"/>
               <a:t>Comandos Básicos de Git</a:t>
             </a:r>
-            <a:endParaRPr lang="es-MX" dirty="0"/>
           </a:p>
         </p:txBody>
       </p:sp>
@@ -6643,17 +6580,167 @@
       </p:transition>
     </mc:Fallback>
   </mc:AlternateContent>
-  <p:timing>
-    <p:tnLst>
-      <p:par>
-        <p:cTn id="1" dur="indefinite" restart="never" nodeType="tmRoot"/>
-      </p:par>
-    </p:tnLst>
-  </p:timing>
 </p:sld>
 </file>
 
 <file path=ppt/slides/slide16.xml><?xml version="1.0" encoding="utf-8"?>
+<p:sld xmlns:a="http://schemas.openxmlformats.org/drawingml/2006/main" xmlns:r="http://schemas.openxmlformats.org/officeDocument/2006/relationships" xmlns:p="http://schemas.openxmlformats.org/presentationml/2006/main">
+  <p:cSld>
+    <p:spTree>
+      <p:nvGrpSpPr>
+        <p:cNvPr id="1" name=""/>
+        <p:cNvGrpSpPr/>
+        <p:nvPr/>
+      </p:nvGrpSpPr>
+      <p:grpSpPr>
+        <a:xfrm>
+          <a:off x="0" y="0"/>
+          <a:ext cx="0" cy="0"/>
+          <a:chOff x="0" y="0"/>
+          <a:chExt cx="0" cy="0"/>
+        </a:xfrm>
+      </p:grpSpPr>
+      <p:sp>
+        <p:nvSpPr>
+          <p:cNvPr id="2" name="Título 1">
+            <a:extLst>
+              <a:ext uri="{FF2B5EF4-FFF2-40B4-BE49-F238E27FC236}">
+                <a16:creationId xmlns:a16="http://schemas.microsoft.com/office/drawing/2014/main" id="{6A7D91F9-8492-464A-B220-4198A1EA17FB}"/>
+              </a:ext>
+            </a:extLst>
+          </p:cNvPr>
+          <p:cNvSpPr>
+            <a:spLocks noGrp="1"/>
+          </p:cNvSpPr>
+          <p:nvPr>
+            <p:ph type="title"/>
+          </p:nvPr>
+        </p:nvSpPr>
+        <p:spPr/>
+        <p:txBody>
+          <a:bodyPr/>
+          <a:lstStyle/>
+          <a:p>
+            <a:r>
+              <a:rPr lang="en-US" dirty="0"/>
+              <a:t>GIT</a:t>
+            </a:r>
+            <a:endParaRPr lang="es-MX" dirty="0"/>
+          </a:p>
+        </p:txBody>
+      </p:sp>
+      <p:sp>
+        <p:nvSpPr>
+          <p:cNvPr id="3" name="Marcador de contenido 2">
+            <a:extLst>
+              <a:ext uri="{FF2B5EF4-FFF2-40B4-BE49-F238E27FC236}">
+                <a16:creationId xmlns:a16="http://schemas.microsoft.com/office/drawing/2014/main" id="{C0C63892-B6EC-4AFA-9EE2-A7339D68B533}"/>
+              </a:ext>
+            </a:extLst>
+          </p:cNvPr>
+          <p:cNvSpPr>
+            <a:spLocks noGrp="1"/>
+          </p:cNvSpPr>
+          <p:nvPr>
+            <p:ph idx="1"/>
+          </p:nvPr>
+        </p:nvSpPr>
+        <p:spPr/>
+        <p:txBody>
+          <a:bodyPr>
+            <a:normAutofit fontScale="92500" lnSpcReduction="10000"/>
+          </a:bodyPr>
+          <a:lstStyle/>
+          <a:p>
+            <a:r>
+              <a:rPr lang="en-US" dirty="0"/>
+              <a:t>echo "# Power" &gt;&gt; README.md</a:t>
+            </a:r>
+            <a:endParaRPr lang="es-MX" dirty="0"/>
+          </a:p>
+          <a:p>
+            <a:r>
+              <a:rPr lang="en-US" dirty="0"/>
+              <a:t>git </a:t>
+            </a:r>
+            <a:r>
+              <a:rPr lang="en-US" dirty="0" err="1"/>
+              <a:t>init</a:t>
+            </a:r>
+            <a:endParaRPr lang="es-MX" dirty="0"/>
+          </a:p>
+          <a:p>
+            <a:r>
+              <a:rPr lang="en-US" dirty="0"/>
+              <a:t>git add README.md</a:t>
+            </a:r>
+            <a:endParaRPr lang="es-MX" dirty="0"/>
+          </a:p>
+          <a:p>
+            <a:r>
+              <a:rPr lang="en-US" dirty="0"/>
+              <a:t>git commit -m "first commit"</a:t>
+            </a:r>
+            <a:endParaRPr lang="es-MX" dirty="0"/>
+          </a:p>
+          <a:p>
+            <a:r>
+              <a:rPr lang="en-US" dirty="0"/>
+              <a:t>git remote add origin https://github.com/samantasaraireyes/Power.git</a:t>
+            </a:r>
+            <a:endParaRPr lang="es-MX" dirty="0"/>
+          </a:p>
+          <a:p>
+            <a:r>
+              <a:rPr lang="es-MX" dirty="0" err="1"/>
+              <a:t>git</a:t>
+            </a:r>
+            <a:r>
+              <a:rPr lang="es-MX" dirty="0"/>
+              <a:t> </a:t>
+            </a:r>
+            <a:r>
+              <a:rPr lang="es-MX" dirty="0" err="1"/>
+              <a:t>push</a:t>
+            </a:r>
+            <a:r>
+              <a:rPr lang="es-MX" dirty="0"/>
+              <a:t> -u </a:t>
+            </a:r>
+            <a:r>
+              <a:rPr lang="es-MX" dirty="0" err="1"/>
+              <a:t>origin</a:t>
+            </a:r>
+            <a:r>
+              <a:rPr lang="es-MX" dirty="0"/>
+              <a:t> m</a:t>
+            </a:r>
+          </a:p>
+          <a:p>
+            <a:r>
+              <a:rPr lang="es-MX" dirty="0"/>
+              <a:t> </a:t>
+            </a:r>
+          </a:p>
+          <a:p>
+            <a:endParaRPr lang="es-MX" dirty="0"/>
+          </a:p>
+        </p:txBody>
+      </p:sp>
+    </p:spTree>
+    <p:extLst>
+      <p:ext uri="{BB962C8B-B14F-4D97-AF65-F5344CB8AC3E}">
+        <p14:creationId xmlns:p14="http://schemas.microsoft.com/office/powerpoint/2010/main" val="3838983062"/>
+      </p:ext>
+    </p:extLst>
+  </p:cSld>
+  <p:clrMapOvr>
+    <a:masterClrMapping/>
+  </p:clrMapOvr>
+</p:sld>
+</file>
+
+<file path=ppt/slides/slide17.xml><?xml version="1.0" encoding="utf-8"?>
 <p:sld xmlns:a="http://schemas.openxmlformats.org/drawingml/2006/main" xmlns:r="http://schemas.openxmlformats.org/officeDocument/2006/relationships" xmlns:p="http://schemas.openxmlformats.org/presentationml/2006/main">
   <p:cSld>
     <p:spTree>
@@ -6740,7 +6827,7 @@
         </p:blipFill>
         <p:spPr>
           <a:xfrm>
-            <a:off x="984179" y="1511935"/>
+            <a:off x="1240504" y="2950205"/>
             <a:ext cx="5668166" cy="533474"/>
           </a:xfrm>
           <a:prstGeom prst="rect">
@@ -6770,7 +6857,7 @@
         </p:blipFill>
         <p:spPr>
           <a:xfrm>
-            <a:off x="1602505" y="3641058"/>
+            <a:off x="1602505" y="3804937"/>
             <a:ext cx="5306165" cy="342948"/>
           </a:xfrm>
           <a:prstGeom prst="rect">
@@ -6818,124 +6905,10 @@
   <p:clrMapOvr>
     <a:masterClrMapping/>
   </p:clrMapOvr>
-  <mc:AlternateContent xmlns:mc="http://schemas.openxmlformats.org/markup-compatibility/2006">
-    <mc:Choice xmlns:p14="http://schemas.microsoft.com/office/powerpoint/2010/main" Requires="p14">
+  <mc:AlternateContent xmlns:mc="http://schemas.openxmlformats.org/markup-compatibility/2006" xmlns:p14="http://schemas.microsoft.com/office/powerpoint/2010/main">
+    <mc:Choice Requires="p14">
       <p:transition spd="slow" p14:dur="3900">
         <p14:glitter dir="d" pattern="hexagon"/>
-      </p:transition>
-    </mc:Choice>
-    <mc:Fallback>
-      <p:transition spd="slow">
-        <p:fade/>
-      </p:transition>
-    </mc:Fallback>
-  </mc:AlternateContent>
-  <p:timing>
-    <p:tnLst>
-      <p:par>
-        <p:cTn id="1" dur="indefinite" restart="never" nodeType="tmRoot"/>
-      </p:par>
-    </p:tnLst>
-  </p:timing>
-</p:sld>
-</file>
-
-<file path=ppt/slides/slide17.xml><?xml version="1.0" encoding="utf-8"?>
-<p:sld xmlns:a="http://schemas.openxmlformats.org/drawingml/2006/main" xmlns:r="http://schemas.openxmlformats.org/officeDocument/2006/relationships" xmlns:p="http://schemas.openxmlformats.org/presentationml/2006/main">
-  <p:cSld>
-    <p:spTree>
-      <p:nvGrpSpPr>
-        <p:cNvPr id="1" name=""/>
-        <p:cNvGrpSpPr/>
-        <p:nvPr/>
-      </p:nvGrpSpPr>
-      <p:grpSpPr>
-        <a:xfrm>
-          <a:off x="0" y="0"/>
-          <a:ext cx="0" cy="0"/>
-          <a:chOff x="0" y="0"/>
-          <a:chExt cx="0" cy="0"/>
-        </a:xfrm>
-      </p:grpSpPr>
-      <p:sp>
-        <p:nvSpPr>
-          <p:cNvPr id="2" name="Título 1"/>
-          <p:cNvSpPr>
-            <a:spLocks noGrp="1"/>
-          </p:cNvSpPr>
-          <p:nvPr>
-            <p:ph type="ctrTitle"/>
-          </p:nvPr>
-        </p:nvSpPr>
-        <p:spPr/>
-        <p:txBody>
-          <a:bodyPr/>
-          <a:lstStyle/>
-          <a:p>
-            <a:r>
-              <a:rPr lang="es-MX" dirty="0" smtClean="0"/>
-              <a:t>Ejemplo de SCV</a:t>
-            </a:r>
-            <a:endParaRPr lang="es-MX" dirty="0"/>
-          </a:p>
-        </p:txBody>
-      </p:sp>
-      <p:sp>
-        <p:nvSpPr>
-          <p:cNvPr id="3" name="Subtítulo 2"/>
-          <p:cNvSpPr>
-            <a:spLocks noGrp="1"/>
-          </p:cNvSpPr>
-          <p:nvPr>
-            <p:ph type="subTitle" idx="1"/>
-          </p:nvPr>
-        </p:nvSpPr>
-        <p:spPr/>
-        <p:txBody>
-          <a:bodyPr>
-            <a:normAutofit lnSpcReduction="10000"/>
-          </a:bodyPr>
-          <a:lstStyle/>
-          <a:p>
-            <a:endParaRPr lang="es-MX" dirty="0" smtClean="0"/>
-          </a:p>
-          <a:p>
-            <a:pPr marL="342900" indent="-342900">
-              <a:buFont typeface="Wingdings" panose="05000000000000000000" pitchFamily="2" charset="2"/>
-              <a:buChar char="v"/>
-            </a:pPr>
-            <a:r>
-              <a:rPr lang="es-MX" dirty="0" smtClean="0"/>
-              <a:t>Román Reyes Samanta Saraí</a:t>
-            </a:r>
-          </a:p>
-          <a:p>
-            <a:pPr marL="342900" indent="-342900">
-              <a:buFont typeface="Wingdings" panose="05000000000000000000" pitchFamily="2" charset="2"/>
-              <a:buChar char="v"/>
-            </a:pPr>
-            <a:r>
-              <a:rPr lang="es-MX" dirty="0" smtClean="0"/>
-              <a:t>López Nepomuceno Brenda Areli</a:t>
-            </a:r>
-            <a:endParaRPr lang="es-MX" dirty="0"/>
-          </a:p>
-        </p:txBody>
-      </p:sp>
-    </p:spTree>
-    <p:extLst>
-      <p:ext uri="{BB962C8B-B14F-4D97-AF65-F5344CB8AC3E}">
-        <p14:creationId xmlns:p14="http://schemas.microsoft.com/office/powerpoint/2010/main" val="2656749036"/>
-      </p:ext>
-    </p:extLst>
-  </p:cSld>
-  <p:clrMapOvr>
-    <a:masterClrMapping/>
-  </p:clrMapOvr>
-  <mc:AlternateContent xmlns:mc="http://schemas.openxmlformats.org/markup-compatibility/2006" xmlns:p15="http://schemas.microsoft.com/office/powerpoint/2012/main">
-    <mc:Choice Requires="p15">
-      <p:transition xmlns:p14="http://schemas.microsoft.com/office/powerpoint/2010/main" spd="slow" p14:dur="2000">
-        <p15:prstTrans prst="crush"/>
       </p:transition>
     </mc:Choice>
     <mc:Fallback xmlns="">
@@ -6944,110 +6917,6 @@
       </p:transition>
     </mc:Fallback>
   </mc:AlternateContent>
-  <p:timing>
-    <p:tnLst>
-      <p:par>
-        <p:cTn id="1" dur="indefinite" restart="never" nodeType="tmRoot"/>
-      </p:par>
-    </p:tnLst>
-  </p:timing>
-</p:sld>
-</file>
-
-<file path=ppt/slides/slide18.xml><?xml version="1.0" encoding="utf-8"?>
-<p:sld xmlns:a="http://schemas.openxmlformats.org/drawingml/2006/main" xmlns:r="http://schemas.openxmlformats.org/officeDocument/2006/relationships" xmlns:p="http://schemas.openxmlformats.org/presentationml/2006/main">
-  <p:cSld>
-    <p:spTree>
-      <p:nvGrpSpPr>
-        <p:cNvPr id="1" name=""/>
-        <p:cNvGrpSpPr/>
-        <p:nvPr/>
-      </p:nvGrpSpPr>
-      <p:grpSpPr>
-        <a:xfrm>
-          <a:off x="0" y="0"/>
-          <a:ext cx="0" cy="0"/>
-          <a:chOff x="0" y="0"/>
-          <a:chExt cx="0" cy="0"/>
-        </a:xfrm>
-      </p:grpSpPr>
-      <p:sp>
-        <p:nvSpPr>
-          <p:cNvPr id="2" name="Título 1"/>
-          <p:cNvSpPr>
-            <a:spLocks noGrp="1"/>
-          </p:cNvSpPr>
-          <p:nvPr>
-            <p:ph type="title"/>
-          </p:nvPr>
-        </p:nvSpPr>
-        <p:spPr/>
-        <p:txBody>
-          <a:bodyPr/>
-          <a:lstStyle/>
-          <a:p>
-            <a:endParaRPr lang="es-MX"/>
-          </a:p>
-        </p:txBody>
-      </p:sp>
-      <p:pic>
-        <p:nvPicPr>
-          <p:cNvPr id="4" name="Marcador de contenido 3"/>
-          <p:cNvPicPr>
-            <a:picLocks noGrp="1" noChangeAspect="1"/>
-          </p:cNvPicPr>
-          <p:nvPr>
-            <p:ph idx="1"/>
-          </p:nvPr>
-        </p:nvPicPr>
-        <p:blipFill>
-          <a:blip r:embed="rId2">
-            <a:extLst>
-              <a:ext uri="{28A0092B-C50C-407E-A947-70E740481C1C}">
-                <a14:useLocalDpi xmlns:a14="http://schemas.microsoft.com/office/drawing/2010/main" val="0"/>
-              </a:ext>
-            </a:extLst>
-          </a:blip>
-          <a:stretch>
-            <a:fillRect/>
-          </a:stretch>
-        </p:blipFill>
-        <p:spPr>
-          <a:xfrm>
-            <a:off x="1046479" y="842374"/>
-            <a:ext cx="10279017" cy="5019902"/>
-          </a:xfrm>
-        </p:spPr>
-      </p:pic>
-    </p:spTree>
-    <p:extLst>
-      <p:ext uri="{BB962C8B-B14F-4D97-AF65-F5344CB8AC3E}">
-        <p14:creationId xmlns:p14="http://schemas.microsoft.com/office/powerpoint/2010/main" val="1872981155"/>
-      </p:ext>
-    </p:extLst>
-  </p:cSld>
-  <p:clrMapOvr>
-    <a:masterClrMapping/>
-  </p:clrMapOvr>
-  <mc:AlternateContent xmlns:mc="http://schemas.openxmlformats.org/markup-compatibility/2006">
-    <mc:Choice xmlns:p14="http://schemas.microsoft.com/office/powerpoint/2010/main" Requires="p14">
-      <p:transition spd="slow" p14:dur="1200">
-        <p14:prism/>
-      </p:transition>
-    </mc:Choice>
-    <mc:Fallback>
-      <p:transition spd="slow">
-        <p:fade/>
-      </p:transition>
-    </mc:Fallback>
-  </mc:AlternateContent>
-  <p:timing>
-    <p:tnLst>
-      <p:par>
-        <p:cTn id="1" dur="indefinite" restart="never" nodeType="tmRoot"/>
-      </p:par>
-    </p:tnLst>
-  </p:timing>
 </p:sld>
 </file>
 
@@ -7084,10 +6953,9 @@
           <a:lstStyle/>
           <a:p>
             <a:r>
-              <a:rPr lang="es-MX" dirty="0" smtClean="0"/>
+              <a:rPr lang="es-MX" dirty="0"/>
               <a:t>¿Qué es un control de versiones?</a:t>
             </a:r>
-            <a:endParaRPr lang="es-MX" dirty="0"/>
           </a:p>
         </p:txBody>
       </p:sp>
@@ -7107,7 +6975,7 @@
           <a:lstStyle/>
           <a:p>
             <a:r>
-              <a:rPr lang="es-MX" dirty="0" smtClean="0"/>
+              <a:rPr lang="es-MX" dirty="0"/>
               <a:t>Es un sistema que registra los cambios realizados sobre un archivo o conjuntos de archivos a lo largo del tiempo, de modo que puedas recuperar versiones especificas en el tiempo.</a:t>
             </a:r>
           </a:p>
@@ -7168,13 +7036,6 @@
       </p:transition>
     </mc:Fallback>
   </mc:AlternateContent>
-  <p:timing>
-    <p:tnLst>
-      <p:par>
-        <p:cTn id="1" dur="indefinite" restart="never" nodeType="tmRoot"/>
-      </p:par>
-    </p:tnLst>
-  </p:timing>
 </p:sld>
 </file>
 
@@ -7211,10 +7072,9 @@
           <a:lstStyle/>
           <a:p>
             <a:r>
-              <a:rPr lang="es-MX" dirty="0" smtClean="0"/>
+              <a:rPr lang="es-MX" dirty="0"/>
               <a:t>Versión de parche (P)</a:t>
             </a:r>
-            <a:endParaRPr lang="es-MX" dirty="0"/>
           </a:p>
         </p:txBody>
       </p:sp>
@@ -7234,22 +7094,21 @@
           <a:lstStyle/>
           <a:p>
             <a:r>
-              <a:rPr lang="es-MX" dirty="0" smtClean="0"/>
+              <a:rPr lang="es-MX" dirty="0"/>
               <a:t>Es la continuación de X.Y.Z y se le agrega la P.</a:t>
             </a:r>
           </a:p>
           <a:p>
             <a:r>
-              <a:rPr lang="es-MX" dirty="0" smtClean="0"/>
+              <a:rPr lang="es-MX" dirty="0"/>
               <a:t>P= seria el numero del parche</a:t>
             </a:r>
           </a:p>
           <a:p>
             <a:r>
-              <a:rPr lang="es-MX" dirty="0" smtClean="0"/>
+              <a:rPr lang="es-MX" dirty="0"/>
               <a:t>Ejemplo: 1.2.5.2, 02.03.03.01</a:t>
             </a:r>
-            <a:endParaRPr lang="es-MX" dirty="0"/>
           </a:p>
         </p:txBody>
       </p:sp>
@@ -7275,13 +7134,6 @@
       </p:transition>
     </mc:Fallback>
   </mc:AlternateContent>
-  <p:timing>
-    <p:tnLst>
-      <p:par>
-        <p:cTn id="1" dur="indefinite" restart="never" nodeType="tmRoot"/>
-      </p:par>
-    </p:tnLst>
-  </p:timing>
 </p:sld>
 </file>
 
@@ -7318,10 +7170,9 @@
           <a:lstStyle/>
           <a:p>
             <a:r>
-              <a:rPr lang="es-MX" dirty="0" smtClean="0"/>
+              <a:rPr lang="es-MX" dirty="0"/>
               <a:t>Versión por fecha</a:t>
             </a:r>
-            <a:endParaRPr lang="es-MX" dirty="0"/>
           </a:p>
         </p:txBody>
       </p:sp>
@@ -7341,60 +7192,59 @@
           <a:lstStyle/>
           <a:p>
             <a:r>
-              <a:rPr lang="es-MX" dirty="0" smtClean="0"/>
+              <a:rPr lang="es-MX" dirty="0"/>
               <a:t>Tiene mas variaciones, se puede tener diferente orden del año, mes y </a:t>
             </a:r>
             <a:r>
-              <a:rPr lang="es-MX" dirty="0" err="1" smtClean="0"/>
+              <a:rPr lang="es-MX" dirty="0" err="1"/>
               <a:t>dia</a:t>
             </a:r>
             <a:r>
-              <a:rPr lang="es-MX" dirty="0" smtClean="0"/>
+              <a:rPr lang="es-MX" dirty="0"/>
               <a:t> para saber específicamente cuando se publico el software.</a:t>
             </a:r>
           </a:p>
           <a:p>
             <a:r>
-              <a:rPr lang="es-MX" dirty="0" smtClean="0"/>
+              <a:rPr lang="es-MX" dirty="0"/>
               <a:t>Ejemplo: 1.2.3.1543 donde 15 es el año2015, 4 es el mes, y 3 el </a:t>
             </a:r>
             <a:r>
-              <a:rPr lang="es-MX" dirty="0" err="1" smtClean="0"/>
+              <a:rPr lang="es-MX" dirty="0" err="1"/>
               <a:t>dia</a:t>
             </a:r>
             <a:r>
-              <a:rPr lang="es-MX" dirty="0" smtClean="0"/>
+              <a:rPr lang="es-MX" dirty="0"/>
               <a:t>.</a:t>
             </a:r>
             <a:br>
-              <a:rPr lang="es-MX" dirty="0" smtClean="0"/>
+              <a:rPr lang="es-MX" dirty="0"/>
             </a:br>
             <a:r>
-              <a:rPr lang="es-MX" dirty="0" smtClean="0"/>
+              <a:rPr lang="es-MX" dirty="0"/>
               <a:t>Se podría tener varios acomodos y formatos:</a:t>
             </a:r>
             <a:br>
-              <a:rPr lang="es-MX" dirty="0" smtClean="0"/>
+              <a:rPr lang="es-MX" dirty="0"/>
             </a:br>
             <a:r>
-              <a:rPr lang="es-MX" dirty="0" smtClean="0"/>
+              <a:rPr lang="es-MX" dirty="0"/>
               <a:t>1.2.3.4315</a:t>
             </a:r>
             <a:br>
-              <a:rPr lang="es-MX" dirty="0" smtClean="0"/>
+              <a:rPr lang="es-MX" dirty="0"/>
             </a:br>
             <a:r>
-              <a:rPr lang="es-MX" dirty="0" smtClean="0"/>
+              <a:rPr lang="es-MX" dirty="0"/>
               <a:t>1.2.3.201543</a:t>
             </a:r>
             <a:br>
-              <a:rPr lang="es-MX" dirty="0" smtClean="0"/>
+              <a:rPr lang="es-MX" dirty="0"/>
             </a:br>
             <a:r>
-              <a:rPr lang="es-MX" dirty="0" smtClean="0"/>
+              <a:rPr lang="es-MX" dirty="0"/>
               <a:t>1.2.3.1534</a:t>
             </a:r>
-            <a:endParaRPr lang="es-MX" dirty="0"/>
           </a:p>
         </p:txBody>
       </p:sp>
@@ -7420,13 +7270,6 @@
       </p:transition>
     </mc:Fallback>
   </mc:AlternateContent>
-  <p:timing>
-    <p:tnLst>
-      <p:par>
-        <p:cTn id="1" dur="indefinite" restart="never" nodeType="tmRoot"/>
-      </p:par>
-    </p:tnLst>
-  </p:timing>
 </p:sld>
 </file>
 
@@ -7468,10 +7311,9 @@
           <a:lstStyle/>
           <a:p>
             <a:r>
-              <a:rPr lang="es-MX" dirty="0" smtClean="0"/>
+              <a:rPr lang="es-MX" dirty="0"/>
               <a:t>Versión por estabilidad</a:t>
             </a:r>
-            <a:endParaRPr lang="es-MX" dirty="0"/>
           </a:p>
         </p:txBody>
       </p:sp>
@@ -7496,14 +7338,14 @@
           <a:lstStyle/>
           <a:p>
             <a:r>
-              <a:rPr lang="es-MX" dirty="0" smtClean="0"/>
+              <a:rPr lang="es-MX" dirty="0"/>
               <a:t>Alpha=  Versión inestable, tiene opciones para mejorar; es una prueba para identificar errores.</a:t>
             </a:r>
             <a:br>
-              <a:rPr lang="es-MX" dirty="0" smtClean="0"/>
+              <a:rPr lang="es-MX" dirty="0"/>
             </a:br>
             <a:r>
-              <a:rPr lang="es-MX" dirty="0" smtClean="0">
+              <a:rPr lang="es-MX" dirty="0">
                 <a:solidFill>
                   <a:srgbClr val="0070C0"/>
                 </a:solidFill>
@@ -7513,14 +7355,14 @@
           </a:p>
           <a:p>
             <a:r>
-              <a:rPr lang="es-MX" dirty="0" smtClean="0"/>
+              <a:rPr lang="es-MX" dirty="0"/>
               <a:t>Beta= Versión mas estable; pruebas de rendimiento, usabilidad y funcionamiento en un ambiente no tan controlado.</a:t>
             </a:r>
             <a:br>
-              <a:rPr lang="es-MX" dirty="0" smtClean="0"/>
+              <a:rPr lang="es-MX" dirty="0"/>
             </a:br>
             <a:r>
-              <a:rPr lang="es-MX" dirty="0" smtClean="0">
+              <a:rPr lang="es-MX" dirty="0">
                 <a:solidFill>
                   <a:srgbClr val="0070C0"/>
                 </a:solidFill>
@@ -7530,7 +7372,7 @@
           </a:p>
           <a:p>
             <a:r>
-              <a:rPr lang="es-MX" dirty="0" smtClean="0">
+              <a:rPr lang="es-MX" dirty="0">
                 <a:solidFill>
                   <a:schemeClr val="tx1"/>
                 </a:solidFill>
@@ -7538,7 +7380,7 @@
               <a:t>RC(</a:t>
             </a:r>
             <a:r>
-              <a:rPr lang="es-MX" dirty="0" err="1" smtClean="0">
+              <a:rPr lang="es-MX" dirty="0" err="1">
                 <a:solidFill>
                   <a:schemeClr val="tx1"/>
                 </a:solidFill>
@@ -7546,7 +7388,7 @@
               <a:t>Release</a:t>
             </a:r>
             <a:r>
-              <a:rPr lang="es-MX" dirty="0" smtClean="0">
+              <a:rPr lang="es-MX" dirty="0">
                 <a:solidFill>
                   <a:schemeClr val="tx1"/>
                 </a:solidFill>
@@ -7554,14 +7396,14 @@
               <a:t> Candidate)= Ultimo toque antes de salir y después de Beta.</a:t>
             </a:r>
             <a:br>
-              <a:rPr lang="es-MX" dirty="0" smtClean="0">
+              <a:rPr lang="es-MX" dirty="0">
                 <a:solidFill>
                   <a:schemeClr val="tx1"/>
                 </a:solidFill>
               </a:rPr>
             </a:br>
             <a:r>
-              <a:rPr lang="es-MX" dirty="0" smtClean="0">
+              <a:rPr lang="es-MX" dirty="0">
                 <a:solidFill>
                   <a:srgbClr val="0070C0"/>
                 </a:solidFill>
@@ -7593,13 +7435,6 @@
       </p:transition>
     </mc:Fallback>
   </mc:AlternateContent>
-  <p:timing>
-    <p:tnLst>
-      <p:par>
-        <p:cTn id="1" dur="indefinite" restart="never" nodeType="tmRoot"/>
-      </p:par>
-    </p:tnLst>
-  </p:timing>
 </p:sld>
 </file>
 
@@ -7636,20 +7471,12 @@
           <a:lstStyle/>
           <a:p>
             <a:r>
-              <a:rPr lang="es-MX" dirty="0" smtClean="0">
+              <a:rPr lang="es-MX" dirty="0">
                 <a:solidFill>
                   <a:schemeClr val="tx1"/>
                 </a:solidFill>
               </a:rPr>
-              <a:t>Release </a:t>
-            </a:r>
-            <a:r>
-              <a:rPr lang="es-MX" dirty="0">
-                <a:solidFill>
-                  <a:schemeClr val="tx1"/>
-                </a:solidFill>
-              </a:rPr>
-              <a:t>Candidate</a:t>
+              <a:t>Release Candidate</a:t>
             </a:r>
             <a:endParaRPr lang="es-MX" dirty="0"/>
           </a:p>
@@ -7671,28 +7498,8 @@
           <a:lstStyle/>
           <a:p>
             <a:r>
-              <a:rPr lang="es-ES" dirty="0" smtClean="0"/>
-              <a:t>Una</a:t>
-            </a:r>
-            <a:r>
               <a:rPr lang="es-ES" dirty="0"/>
-              <a:t> versión candidata a definitiva, candidata </a:t>
-            </a:r>
-            <a:r>
-              <a:rPr lang="es-ES" dirty="0" smtClean="0"/>
-              <a:t>a versión</a:t>
-            </a:r>
-            <a:r>
-              <a:rPr lang="es-ES" dirty="0"/>
-              <a:t> final o candidata para el </a:t>
-            </a:r>
-            <a:r>
-              <a:rPr lang="es-ES" dirty="0" smtClean="0"/>
-              <a:t>lanzamiento, </a:t>
-            </a:r>
-            <a:r>
-              <a:rPr lang="es-ES" dirty="0"/>
-              <a:t>comprende un producto preparado para publicarse como versión definitiva a menos que aparezcan errores que lo impidan.</a:t>
+              <a:t>Una versión candidata a definitiva, candidata a versión final o candidata para el lanzamiento, comprende un producto preparado para publicarse como versión definitiva a menos que aparezcan errores que lo impidan.</a:t>
             </a:r>
             <a:endParaRPr lang="es-MX" dirty="0"/>
           </a:p>
@@ -7708,25 +7515,18 @@
   <p:clrMapOvr>
     <a:masterClrMapping/>
   </p:clrMapOvr>
-  <mc:AlternateContent xmlns:mc="http://schemas.openxmlformats.org/markup-compatibility/2006">
-    <mc:Choice xmlns:p14="http://schemas.microsoft.com/office/powerpoint/2010/main" Requires="p14">
+  <mc:AlternateContent xmlns:mc="http://schemas.openxmlformats.org/markup-compatibility/2006" xmlns:p14="http://schemas.microsoft.com/office/powerpoint/2010/main">
+    <mc:Choice Requires="p14">
       <p:transition spd="slow" p14:dur="1600">
         <p:blinds dir="vert"/>
       </p:transition>
     </mc:Choice>
-    <mc:Fallback>
+    <mc:Fallback xmlns="">
       <p:transition spd="slow">
         <p:blinds dir="vert"/>
       </p:transition>
     </mc:Fallback>
   </mc:AlternateContent>
-  <p:timing>
-    <p:tnLst>
-      <p:par>
-        <p:cTn id="1" dur="indefinite" restart="never" nodeType="tmRoot"/>
-      </p:par>
-    </p:tnLst>
-  </p:timing>
 </p:sld>
 </file>
 
@@ -7763,10 +7563,9 @@
           <a:lstStyle/>
           <a:p>
             <a:r>
-              <a:rPr lang="es-MX" dirty="0" smtClean="0"/>
+              <a:rPr lang="es-MX" dirty="0"/>
               <a:t>Versiones por numero. (X.Y.Z)</a:t>
             </a:r>
-            <a:endParaRPr lang="es-MX" dirty="0"/>
           </a:p>
         </p:txBody>
       </p:sp>
@@ -7786,14 +7585,14 @@
           <a:lstStyle/>
           <a:p>
             <a:r>
-              <a:rPr lang="es-MX" dirty="0" smtClean="0"/>
+              <a:rPr lang="es-MX" dirty="0"/>
               <a:t>X= versión mayor; versión principal del software </a:t>
             </a:r>
             <a:br>
-              <a:rPr lang="es-MX" dirty="0" smtClean="0"/>
+              <a:rPr lang="es-MX" dirty="0"/>
             </a:br>
             <a:r>
-              <a:rPr lang="es-MX" dirty="0" smtClean="0">
+              <a:rPr lang="es-MX" dirty="0">
                 <a:solidFill>
                   <a:srgbClr val="0070C0"/>
                 </a:solidFill>
@@ -7803,14 +7602,14 @@
           </a:p>
           <a:p>
             <a:r>
-              <a:rPr lang="es-MX" dirty="0" smtClean="0"/>
+              <a:rPr lang="es-MX" dirty="0"/>
               <a:t>Y= versión menor; nuevas funcionalidades</a:t>
             </a:r>
             <a:br>
-              <a:rPr lang="es-MX" dirty="0" smtClean="0"/>
+              <a:rPr lang="es-MX" dirty="0"/>
             </a:br>
             <a:r>
-              <a:rPr lang="es-MX" dirty="0" smtClean="0">
+              <a:rPr lang="es-MX" dirty="0">
                 <a:solidFill>
                   <a:srgbClr val="0070C0"/>
                 </a:solidFill>
@@ -7820,25 +7619,20 @@
           </a:p>
           <a:p>
             <a:r>
-              <a:rPr lang="es-MX" dirty="0" smtClean="0"/>
+              <a:rPr lang="es-MX" dirty="0"/>
               <a:t>Z= revisión; se hizo una revisión por un fallo o error</a:t>
             </a:r>
             <a:br>
-              <a:rPr lang="es-MX" dirty="0" smtClean="0"/>
+              <a:rPr lang="es-MX" dirty="0"/>
             </a:br>
             <a:r>
-              <a:rPr lang="es-MX" dirty="0" smtClean="0">
+              <a:rPr lang="es-MX" dirty="0">
                 <a:solidFill>
                   <a:srgbClr val="0070C0"/>
                 </a:solidFill>
               </a:rPr>
               <a:t>ejemplo: 1.2.2, 3.3.4</a:t>
             </a:r>
-            <a:endParaRPr lang="es-MX" dirty="0">
-              <a:solidFill>
-                <a:srgbClr val="0070C0"/>
-              </a:solidFill>
-            </a:endParaRPr>
           </a:p>
         </p:txBody>
       </p:sp>
@@ -7864,13 +7658,6 @@
       </p:transition>
     </mc:Fallback>
   </mc:AlternateContent>
-  <p:timing>
-    <p:tnLst>
-      <p:par>
-        <p:cTn id="1" dur="indefinite" restart="never" nodeType="tmRoot"/>
-      </p:par>
-    </p:tnLst>
-  </p:timing>
 </p:sld>
 </file>
 
@@ -7907,10 +7694,9 @@
           <a:lstStyle/>
           <a:p>
             <a:r>
-              <a:rPr lang="es-MX" dirty="0" smtClean="0"/>
+              <a:rPr lang="es-MX" dirty="0"/>
               <a:t>Repositorio</a:t>
             </a:r>
-            <a:endParaRPr lang="es-MX" dirty="0"/>
           </a:p>
         </p:txBody>
       </p:sp>
@@ -7930,7 +7716,7 @@
           <a:lstStyle/>
           <a:p>
             <a:r>
-              <a:rPr lang="es-MX" dirty="0" smtClean="0"/>
+              <a:rPr lang="es-MX" dirty="0"/>
               <a:t>Sistema de ficheros que poseen la característica de guardar un historial como los cambios que han realizado dentro del mismo y con la funcionalidad de poder hacer regresar a estos ficheros a un estado anterior.</a:t>
             </a:r>
           </a:p>
@@ -7961,13 +7747,6 @@
       </p:transition>
     </mc:Fallback>
   </mc:AlternateContent>
-  <p:timing>
-    <p:tnLst>
-      <p:par>
-        <p:cTn id="1" dur="indefinite" restart="never" nodeType="tmRoot"/>
-      </p:par>
-    </p:tnLst>
-  </p:timing>
 </p:sld>
 </file>
 
@@ -8004,43 +7783,42 @@
           <a:lstStyle/>
           <a:p>
             <a:r>
-              <a:rPr lang="es-MX" dirty="0" smtClean="0"/>
+              <a:rPr lang="es-MX" dirty="0"/>
               <a:t>Copia de trabajo</a:t>
             </a:r>
+          </a:p>
+        </p:txBody>
+      </p:sp>
+      <p:sp>
+        <p:nvSpPr>
+          <p:cNvPr id="3" name="Marcador de contenido 2"/>
+          <p:cNvSpPr>
+            <a:spLocks noGrp="1"/>
+          </p:cNvSpPr>
+          <p:nvPr>
+            <p:ph idx="1"/>
+          </p:nvPr>
+        </p:nvSpPr>
+        <p:spPr/>
+        <p:txBody>
+          <a:bodyPr/>
+          <a:lstStyle/>
+          <a:p>
+            <a:r>
+              <a:rPr lang="es-MX" dirty="0"/>
+              <a:t>Donde se realiza el trabajo, cada desarrollador tiene su copia de trabajo, comúnmente conocida como </a:t>
+            </a:r>
+            <a:r>
+              <a:rPr lang="es-MX" u="sng" dirty="0"/>
+              <a:t>caja de arena </a:t>
+            </a:r>
+            <a:r>
+              <a:rPr lang="es-MX" dirty="0"/>
+              <a:t>en su computadora local.</a:t>
+            </a:r>
+          </a:p>
+          <a:p>
             <a:endParaRPr lang="es-MX" dirty="0"/>
-          </a:p>
-        </p:txBody>
-      </p:sp>
-      <p:sp>
-        <p:nvSpPr>
-          <p:cNvPr id="3" name="Marcador de contenido 2"/>
-          <p:cNvSpPr>
-            <a:spLocks noGrp="1"/>
-          </p:cNvSpPr>
-          <p:nvPr>
-            <p:ph idx="1"/>
-          </p:nvPr>
-        </p:nvSpPr>
-        <p:spPr/>
-        <p:txBody>
-          <a:bodyPr/>
-          <a:lstStyle/>
-          <a:p>
-            <a:r>
-              <a:rPr lang="es-MX" dirty="0" smtClean="0"/>
-              <a:t>Donde se realiza el trabajo, cada desarrollador tiene su copia de trabajo, comúnmente conocida como </a:t>
-            </a:r>
-            <a:r>
-              <a:rPr lang="es-MX" u="sng" dirty="0" smtClean="0"/>
-              <a:t>caja de arena </a:t>
-            </a:r>
-            <a:r>
-              <a:rPr lang="es-MX" dirty="0" smtClean="0"/>
-              <a:t>en su computadora local.</a:t>
-            </a:r>
-          </a:p>
-          <a:p>
-            <a:endParaRPr lang="es-MX" dirty="0" smtClean="0"/>
           </a:p>
           <a:p>
             <a:endParaRPr lang="es-MX" dirty="0"/>
@@ -8098,13 +7876,6 @@
       </p:transition>
     </mc:Fallback>
   </mc:AlternateContent>
-  <p:timing>
-    <p:tnLst>
-      <p:par>
-        <p:cTn id="1" dur="indefinite" restart="never" nodeType="tmRoot"/>
-      </p:par>
-    </p:tnLst>
-  </p:timing>
 </p:sld>
 </file>
 
